--- a/LLM-AL Figures.pptx
+++ b/LLM-AL Figures.pptx
@@ -199,7 +199,7 @@
           <a:p>
             <a:fld id="{A0FD0C38-8107-4068-9F34-1A7A16D8762D}" type="datetimeFigureOut">
               <a:rPr lang="en-US" smtClean="0"/>
-              <a:t>7/15/2025</a:t>
+              <a:t>7/17/2025</a:t>
             </a:fld>
             <a:endParaRPr lang="en-US"/>
           </a:p>
@@ -613,7 +613,7 @@
           <a:p>
             <a:fld id="{B18D0F19-AF6C-42FB-8F7F-E46381AC5F93}" type="datetimeFigureOut">
               <a:rPr lang="en-US" smtClean="0"/>
-              <a:t>7/15/2025</a:t>
+              <a:t>7/17/2025</a:t>
             </a:fld>
             <a:endParaRPr lang="en-US"/>
           </a:p>
@@ -811,7 +811,7 @@
           <a:p>
             <a:fld id="{B18D0F19-AF6C-42FB-8F7F-E46381AC5F93}" type="datetimeFigureOut">
               <a:rPr lang="en-US" smtClean="0"/>
-              <a:t>7/15/2025</a:t>
+              <a:t>7/17/2025</a:t>
             </a:fld>
             <a:endParaRPr lang="en-US"/>
           </a:p>
@@ -1019,7 +1019,7 @@
           <a:p>
             <a:fld id="{B18D0F19-AF6C-42FB-8F7F-E46381AC5F93}" type="datetimeFigureOut">
               <a:rPr lang="en-US" smtClean="0"/>
-              <a:t>7/15/2025</a:t>
+              <a:t>7/17/2025</a:t>
             </a:fld>
             <a:endParaRPr lang="en-US"/>
           </a:p>
@@ -2362,7 +2362,7 @@
                 <a:latin typeface="Arial" panose="020B0604020202020204" pitchFamily="34" charset="0"/>
                 <a:cs typeface="Arial" panose="020B0604020202020204" pitchFamily="34" charset="0"/>
               </a:rPr>
-              <a:t>July 15, 2025</a:t>
+              <a:t>July 17, 2025</a:t>
             </a:fld>
             <a:endParaRPr lang="en-US" sz="1400" dirty="0">
               <a:latin typeface="Arial" panose="020B0604020202020204" pitchFamily="34" charset="0"/>
@@ -3382,7 +3382,7 @@
           <a:p>
             <a:fld id="{B18D0F19-AF6C-42FB-8F7F-E46381AC5F93}" type="datetimeFigureOut">
               <a:rPr lang="en-US" smtClean="0"/>
-              <a:t>7/15/2025</a:t>
+              <a:t>7/17/2025</a:t>
             </a:fld>
             <a:endParaRPr lang="en-US"/>
           </a:p>
@@ -3657,7 +3657,7 @@
           <a:p>
             <a:fld id="{B18D0F19-AF6C-42FB-8F7F-E46381AC5F93}" type="datetimeFigureOut">
               <a:rPr lang="en-US" smtClean="0"/>
-              <a:t>7/15/2025</a:t>
+              <a:t>7/17/2025</a:t>
             </a:fld>
             <a:endParaRPr lang="en-US"/>
           </a:p>
@@ -3922,7 +3922,7 @@
           <a:p>
             <a:fld id="{B18D0F19-AF6C-42FB-8F7F-E46381AC5F93}" type="datetimeFigureOut">
               <a:rPr lang="en-US" smtClean="0"/>
-              <a:t>7/15/2025</a:t>
+              <a:t>7/17/2025</a:t>
             </a:fld>
             <a:endParaRPr lang="en-US"/>
           </a:p>
@@ -4334,7 +4334,7 @@
           <a:p>
             <a:fld id="{B18D0F19-AF6C-42FB-8F7F-E46381AC5F93}" type="datetimeFigureOut">
               <a:rPr lang="en-US" smtClean="0"/>
-              <a:t>7/15/2025</a:t>
+              <a:t>7/17/2025</a:t>
             </a:fld>
             <a:endParaRPr lang="en-US"/>
           </a:p>
@@ -4475,7 +4475,7 @@
           <a:p>
             <a:fld id="{B18D0F19-AF6C-42FB-8F7F-E46381AC5F93}" type="datetimeFigureOut">
               <a:rPr lang="en-US" smtClean="0"/>
-              <a:t>7/15/2025</a:t>
+              <a:t>7/17/2025</a:t>
             </a:fld>
             <a:endParaRPr lang="en-US"/>
           </a:p>
@@ -4588,7 +4588,7 @@
           <a:p>
             <a:fld id="{B18D0F19-AF6C-42FB-8F7F-E46381AC5F93}" type="datetimeFigureOut">
               <a:rPr lang="en-US" smtClean="0"/>
-              <a:t>7/15/2025</a:t>
+              <a:t>7/17/2025</a:t>
             </a:fld>
             <a:endParaRPr lang="en-US"/>
           </a:p>
@@ -4899,7 +4899,7 @@
           <a:p>
             <a:fld id="{B18D0F19-AF6C-42FB-8F7F-E46381AC5F93}" type="datetimeFigureOut">
               <a:rPr lang="en-US" smtClean="0"/>
-              <a:t>7/15/2025</a:t>
+              <a:t>7/17/2025</a:t>
             </a:fld>
             <a:endParaRPr lang="en-US"/>
           </a:p>
@@ -5187,7 +5187,7 @@
           <a:p>
             <a:fld id="{B18D0F19-AF6C-42FB-8F7F-E46381AC5F93}" type="datetimeFigureOut">
               <a:rPr lang="en-US" smtClean="0"/>
-              <a:t>7/15/2025</a:t>
+              <a:t>7/17/2025</a:t>
             </a:fld>
             <a:endParaRPr lang="en-US"/>
           </a:p>
@@ -5428,7 +5428,7 @@
           <a:p>
             <a:fld id="{B18D0F19-AF6C-42FB-8F7F-E46381AC5F93}" type="datetimeFigureOut">
               <a:rPr lang="en-US" smtClean="0"/>
-              <a:t>7/15/2025</a:t>
+              <a:t>7/17/2025</a:t>
             </a:fld>
             <a:endParaRPr lang="en-US"/>
           </a:p>
@@ -6560,6 +6560,59 @@
           </a:prstGeom>
         </p:spPr>
       </p:pic>
+      <p:sp>
+        <p:nvSpPr>
+          <p:cNvPr id="2" name="TextBox 1">
+            <a:extLst>
+              <a:ext uri="{FF2B5EF4-FFF2-40B4-BE49-F238E27FC236}">
+                <a16:creationId xmlns:a16="http://schemas.microsoft.com/office/drawing/2014/main" id="{7BCDD801-9ECE-9436-E61B-7AB1B4289FB7}"/>
+              </a:ext>
+            </a:extLst>
+          </p:cNvPr>
+          <p:cNvSpPr txBox="1"/>
+          <p:nvPr/>
+        </p:nvSpPr>
+        <p:spPr>
+          <a:xfrm>
+            <a:off x="6997701" y="3663975"/>
+            <a:ext cx="4502150" cy="1477328"/>
+          </a:xfrm>
+          <a:prstGeom prst="rect">
+            <a:avLst/>
+          </a:prstGeom>
+          <a:noFill/>
+        </p:spPr>
+        <p:txBody>
+          <a:bodyPr wrap="square" rtlCol="0">
+            <a:spAutoFit/>
+          </a:bodyPr>
+          <a:lstStyle/>
+          <a:p>
+            <a:r>
+              <a:rPr lang="en-CA" b="1" dirty="0">
+                <a:solidFill>
+                  <a:srgbClr val="FF0000"/>
+                </a:solidFill>
+              </a:rPr>
+              <a:t>Strong fig 1 showing varying performance of ML models across hyperparameters and datasets vs LLM</a:t>
+            </a:r>
+          </a:p>
+          <a:p>
+            <a:endParaRPr lang="en-CA" b="1" dirty="0">
+              <a:solidFill>
+                <a:srgbClr val="FF0000"/>
+              </a:solidFill>
+            </a:endParaRPr>
+          </a:p>
+          <a:p>
+            <a:endParaRPr lang="en-US" b="1" dirty="0">
+              <a:solidFill>
+                <a:srgbClr val="FF0000"/>
+              </a:solidFill>
+            </a:endParaRPr>
+          </a:p>
+        </p:txBody>
+      </p:sp>
     </p:spTree>
     <p:extLst>
       <p:ext uri="{BB962C8B-B14F-4D97-AF65-F5344CB8AC3E}">
@@ -6710,6 +6763,67 @@
           </a:prstGeom>
         </p:spPr>
       </p:pic>
+      <p:sp>
+        <p:nvSpPr>
+          <p:cNvPr id="2" name="TextBox 1">
+            <a:extLst>
+              <a:ext uri="{FF2B5EF4-FFF2-40B4-BE49-F238E27FC236}">
+                <a16:creationId xmlns:a16="http://schemas.microsoft.com/office/drawing/2014/main" id="{68083D69-673E-243C-4C23-9C7726B3BBA8}"/>
+              </a:ext>
+            </a:extLst>
+          </p:cNvPr>
+          <p:cNvSpPr txBox="1"/>
+          <p:nvPr/>
+        </p:nvSpPr>
+        <p:spPr>
+          <a:xfrm>
+            <a:off x="4673600" y="2404070"/>
+            <a:ext cx="6644768" cy="923330"/>
+          </a:xfrm>
+          <a:prstGeom prst="rect">
+            <a:avLst/>
+          </a:prstGeom>
+          <a:noFill/>
+        </p:spPr>
+        <p:txBody>
+          <a:bodyPr wrap="none" rtlCol="0">
+            <a:spAutoFit/>
+          </a:bodyPr>
+          <a:lstStyle/>
+          <a:p>
+            <a:r>
+              <a:rPr lang="en-CA" dirty="0">
+                <a:solidFill>
+                  <a:srgbClr val="FF0000"/>
+                </a:solidFill>
+              </a:rPr>
+              <a:t>Robustness vs. chance (varying seeds)</a:t>
+            </a:r>
+          </a:p>
+          <a:p>
+            <a:endParaRPr lang="en-CA" dirty="0">
+              <a:solidFill>
+                <a:srgbClr val="FF0000"/>
+              </a:solidFill>
+            </a:endParaRPr>
+          </a:p>
+          <a:p>
+            <a:r>
+              <a:rPr lang="en-CA" b="1" dirty="0">
+                <a:solidFill>
+                  <a:srgbClr val="FF0000"/>
+                </a:solidFill>
+              </a:rPr>
+              <a:t>Robustness vs. learning dynamics (fixed seeds, different runs)</a:t>
+            </a:r>
+            <a:endParaRPr lang="en-US" b="1" dirty="0">
+              <a:solidFill>
+                <a:srgbClr val="FF0000"/>
+              </a:solidFill>
+            </a:endParaRPr>
+          </a:p>
+        </p:txBody>
+      </p:sp>
     </p:spTree>
     <p:extLst>
       <p:ext uri="{BB962C8B-B14F-4D97-AF65-F5344CB8AC3E}">
